--- a/13_loading_and_preprocessing_data/0824.pptx
+++ b/13_loading_and_preprocessing_data/0824.pptx
@@ -275,7 +275,7 @@
           <a:p>
             <a:fld id="{C1C2A45D-4430-4444-9ACC-791F7891CD05}" type="datetimeFigureOut">
               <a:rPr lang="ko-KR" altLang="en-US" smtClean="0"/>
-              <a:t>2021-08-23</a:t>
+              <a:t>2021-08-24</a:t>
             </a:fld>
             <a:endParaRPr lang="ko-KR" altLang="en-US"/>
           </a:p>
@@ -473,7 +473,7 @@
           <a:p>
             <a:fld id="{C1C2A45D-4430-4444-9ACC-791F7891CD05}" type="datetimeFigureOut">
               <a:rPr lang="ko-KR" altLang="en-US" smtClean="0"/>
-              <a:t>2021-08-23</a:t>
+              <a:t>2021-08-24</a:t>
             </a:fld>
             <a:endParaRPr lang="ko-KR" altLang="en-US"/>
           </a:p>
@@ -681,7 +681,7 @@
           <a:p>
             <a:fld id="{C1C2A45D-4430-4444-9ACC-791F7891CD05}" type="datetimeFigureOut">
               <a:rPr lang="ko-KR" altLang="en-US" smtClean="0"/>
-              <a:t>2021-08-23</a:t>
+              <a:t>2021-08-24</a:t>
             </a:fld>
             <a:endParaRPr lang="ko-KR" altLang="en-US"/>
           </a:p>
@@ -879,7 +879,7 @@
           <a:p>
             <a:fld id="{C1C2A45D-4430-4444-9ACC-791F7891CD05}" type="datetimeFigureOut">
               <a:rPr lang="ko-KR" altLang="en-US" smtClean="0"/>
-              <a:t>2021-08-23</a:t>
+              <a:t>2021-08-24</a:t>
             </a:fld>
             <a:endParaRPr lang="ko-KR" altLang="en-US"/>
           </a:p>
@@ -1154,7 +1154,7 @@
           <a:p>
             <a:fld id="{C1C2A45D-4430-4444-9ACC-791F7891CD05}" type="datetimeFigureOut">
               <a:rPr lang="ko-KR" altLang="en-US" smtClean="0"/>
-              <a:t>2021-08-23</a:t>
+              <a:t>2021-08-24</a:t>
             </a:fld>
             <a:endParaRPr lang="ko-KR" altLang="en-US"/>
           </a:p>
@@ -1419,7 +1419,7 @@
           <a:p>
             <a:fld id="{C1C2A45D-4430-4444-9ACC-791F7891CD05}" type="datetimeFigureOut">
               <a:rPr lang="ko-KR" altLang="en-US" smtClean="0"/>
-              <a:t>2021-08-23</a:t>
+              <a:t>2021-08-24</a:t>
             </a:fld>
             <a:endParaRPr lang="ko-KR" altLang="en-US"/>
           </a:p>
@@ -1831,7 +1831,7 @@
           <a:p>
             <a:fld id="{C1C2A45D-4430-4444-9ACC-791F7891CD05}" type="datetimeFigureOut">
               <a:rPr lang="ko-KR" altLang="en-US" smtClean="0"/>
-              <a:t>2021-08-23</a:t>
+              <a:t>2021-08-24</a:t>
             </a:fld>
             <a:endParaRPr lang="ko-KR" altLang="en-US"/>
           </a:p>
@@ -1972,7 +1972,7 @@
           <a:p>
             <a:fld id="{C1C2A45D-4430-4444-9ACC-791F7891CD05}" type="datetimeFigureOut">
               <a:rPr lang="ko-KR" altLang="en-US" smtClean="0"/>
-              <a:t>2021-08-23</a:t>
+              <a:t>2021-08-24</a:t>
             </a:fld>
             <a:endParaRPr lang="ko-KR" altLang="en-US"/>
           </a:p>
@@ -2085,7 +2085,7 @@
           <a:p>
             <a:fld id="{C1C2A45D-4430-4444-9ACC-791F7891CD05}" type="datetimeFigureOut">
               <a:rPr lang="ko-KR" altLang="en-US" smtClean="0"/>
-              <a:t>2021-08-23</a:t>
+              <a:t>2021-08-24</a:t>
             </a:fld>
             <a:endParaRPr lang="ko-KR" altLang="en-US"/>
           </a:p>
@@ -2396,7 +2396,7 @@
           <a:p>
             <a:fld id="{C1C2A45D-4430-4444-9ACC-791F7891CD05}" type="datetimeFigureOut">
               <a:rPr lang="ko-KR" altLang="en-US" smtClean="0"/>
-              <a:t>2021-08-23</a:t>
+              <a:t>2021-08-24</a:t>
             </a:fld>
             <a:endParaRPr lang="ko-KR" altLang="en-US"/>
           </a:p>
@@ -2684,7 +2684,7 @@
           <a:p>
             <a:fld id="{C1C2A45D-4430-4444-9ACC-791F7891CD05}" type="datetimeFigureOut">
               <a:rPr lang="ko-KR" altLang="en-US" smtClean="0"/>
-              <a:t>2021-08-23</a:t>
+              <a:t>2021-08-24</a:t>
             </a:fld>
             <a:endParaRPr lang="ko-KR" altLang="en-US"/>
           </a:p>
@@ -2925,7 +2925,7 @@
           <a:p>
             <a:fld id="{C1C2A45D-4430-4444-9ACC-791F7891CD05}" type="datetimeFigureOut">
               <a:rPr lang="ko-KR" altLang="en-US" smtClean="0"/>
-              <a:t>2021-08-23</a:t>
+              <a:t>2021-08-24</a:t>
             </a:fld>
             <a:endParaRPr lang="ko-KR" altLang="en-US"/>
           </a:p>
@@ -4101,7 +4101,7 @@
               <a:rPr lang="ko-KR" altLang="en-US" sz="1800" b="1" dirty="0">
                 <a:latin typeface="+mn-ea"/>
               </a:rPr>
-              <a:t> 코드를 유지보수에 수정을 해야 해 번거로움</a:t>
+              <a:t> 코드를 유지보수하기위해 수정을 해야 해 번거로움</a:t>
             </a:r>
             <a:endParaRPr lang="en-US" altLang="ko-KR" sz="1800" b="1" dirty="0">
               <a:latin typeface="+mn-ea"/>
@@ -4640,7 +4640,7 @@
                 <a:effectLst/>
                 <a:latin typeface="+mn-ea"/>
               </a:rPr>
-              <a:t>전처리를 한번만 하고싶다</a:t>
+              <a:t>수정 한번만 하고싶다</a:t>
             </a:r>
             <a:r>
               <a:rPr lang="en-US" altLang="ko-KR" sz="1800" b="1" i="0" u="none" strike="noStrike" dirty="0">
@@ -5914,7 +5914,7 @@
         <p:spPr>
           <a:xfrm>
             <a:off x="838200" y="1690688"/>
-            <a:ext cx="10515600" cy="4301038"/>
+            <a:ext cx="10515600" cy="1738312"/>
           </a:xfrm>
         </p:spPr>
         <p:txBody>
